--- a/presentations/04_Çoklu_Regresyon.pptx
+++ b/presentations/04_Çoklu_Regresyon.pptx
@@ -493,7 +493,7 @@
           <a:p>
             <a:fld id="{6F77F576-AE14-466D-AA6B-335273622B21}" type="datetimeFigureOut">
               <a:rPr lang="en-US" smtClean="0"/>
-              <a:t>6/15/2019</a:t>
+              <a:t>11/16/2019</a:t>
             </a:fld>
             <a:endParaRPr lang="en-US"/>
           </a:p>
@@ -892,7 +892,7 @@
           <a:p>
             <a:fld id="{54AA066D-271F-4C1A-B89A-0705A7689EE9}" type="datetimeFigureOut">
               <a:rPr lang="en-US" smtClean="0"/>
-              <a:t>6/15/2019</a:t>
+              <a:t>11/16/2019</a:t>
             </a:fld>
             <a:endParaRPr lang="en-US"/>
           </a:p>
@@ -1062,7 +1062,7 @@
           <a:p>
             <a:fld id="{54AA066D-271F-4C1A-B89A-0705A7689EE9}" type="datetimeFigureOut">
               <a:rPr lang="en-US" smtClean="0"/>
-              <a:t>6/15/2019</a:t>
+              <a:t>11/16/2019</a:t>
             </a:fld>
             <a:endParaRPr lang="en-US"/>
           </a:p>
@@ -1242,7 +1242,7 @@
           <a:p>
             <a:fld id="{54AA066D-271F-4C1A-B89A-0705A7689EE9}" type="datetimeFigureOut">
               <a:rPr lang="en-US" smtClean="0"/>
-              <a:t>6/15/2019</a:t>
+              <a:t>11/16/2019</a:t>
             </a:fld>
             <a:endParaRPr lang="en-US"/>
           </a:p>
@@ -1412,7 +1412,7 @@
           <a:p>
             <a:fld id="{54AA066D-271F-4C1A-B89A-0705A7689EE9}" type="datetimeFigureOut">
               <a:rPr lang="en-US" smtClean="0"/>
-              <a:t>6/15/2019</a:t>
+              <a:t>11/16/2019</a:t>
             </a:fld>
             <a:endParaRPr lang="en-US"/>
           </a:p>
@@ -1658,7 +1658,7 @@
           <a:p>
             <a:fld id="{54AA066D-271F-4C1A-B89A-0705A7689EE9}" type="datetimeFigureOut">
               <a:rPr lang="en-US" smtClean="0"/>
-              <a:t>6/15/2019</a:t>
+              <a:t>11/16/2019</a:t>
             </a:fld>
             <a:endParaRPr lang="en-US"/>
           </a:p>
@@ -1890,7 +1890,7 @@
           <a:p>
             <a:fld id="{54AA066D-271F-4C1A-B89A-0705A7689EE9}" type="datetimeFigureOut">
               <a:rPr lang="en-US" smtClean="0"/>
-              <a:t>6/15/2019</a:t>
+              <a:t>11/16/2019</a:t>
             </a:fld>
             <a:endParaRPr lang="en-US"/>
           </a:p>
@@ -2257,7 +2257,7 @@
           <a:p>
             <a:fld id="{54AA066D-271F-4C1A-B89A-0705A7689EE9}" type="datetimeFigureOut">
               <a:rPr lang="en-US" smtClean="0"/>
-              <a:t>6/15/2019</a:t>
+              <a:t>11/16/2019</a:t>
             </a:fld>
             <a:endParaRPr lang="en-US"/>
           </a:p>
@@ -2375,7 +2375,7 @@
           <a:p>
             <a:fld id="{54AA066D-271F-4C1A-B89A-0705A7689EE9}" type="datetimeFigureOut">
               <a:rPr lang="en-US" smtClean="0"/>
-              <a:t>6/15/2019</a:t>
+              <a:t>11/16/2019</a:t>
             </a:fld>
             <a:endParaRPr lang="en-US"/>
           </a:p>
@@ -2470,7 +2470,7 @@
           <a:p>
             <a:fld id="{54AA066D-271F-4C1A-B89A-0705A7689EE9}" type="datetimeFigureOut">
               <a:rPr lang="en-US" smtClean="0"/>
-              <a:t>6/15/2019</a:t>
+              <a:t>11/16/2019</a:t>
             </a:fld>
             <a:endParaRPr lang="en-US"/>
           </a:p>
@@ -2747,7 +2747,7 @@
           <a:p>
             <a:fld id="{54AA066D-271F-4C1A-B89A-0705A7689EE9}" type="datetimeFigureOut">
               <a:rPr lang="en-US" smtClean="0"/>
-              <a:t>6/15/2019</a:t>
+              <a:t>11/16/2019</a:t>
             </a:fld>
             <a:endParaRPr lang="en-US"/>
           </a:p>
@@ -3000,7 +3000,7 @@
           <a:p>
             <a:fld id="{54AA066D-271F-4C1A-B89A-0705A7689EE9}" type="datetimeFigureOut">
               <a:rPr lang="en-US" smtClean="0"/>
-              <a:t>6/15/2019</a:t>
+              <a:t>11/16/2019</a:t>
             </a:fld>
             <a:endParaRPr lang="en-US"/>
           </a:p>
@@ -3213,7 +3213,7 @@
           <a:p>
             <a:fld id="{54AA066D-271F-4C1A-B89A-0705A7689EE9}" type="datetimeFigureOut">
               <a:rPr lang="en-US" smtClean="0"/>
-              <a:t>6/15/2019</a:t>
+              <a:t>11/16/2019</a:t>
             </a:fld>
             <a:endParaRPr lang="en-US"/>
           </a:p>
@@ -3667,7 +3667,7 @@
         </p:nvSpPr>
         <p:spPr>
           <a:xfrm>
-            <a:off x="1439954" y="1770858"/>
+            <a:off x="1524000" y="2557667"/>
             <a:ext cx="9144000" cy="744890"/>
           </a:xfrm>
         </p:spPr>
@@ -3686,7 +3686,7 @@
                 <a:ea typeface="Verdana" panose="020B0604030504040204" pitchFamily="34" charset="0"/>
                 <a:cs typeface="Arial" panose="020B0604020202020204" pitchFamily="34" charset="0"/>
               </a:rPr>
-              <a:t>Çoklu Regresyon</a:t>
+              <a:t>Çoklu Doğrusal Regresyon</a:t>
             </a:r>
             <a:endParaRPr lang="en-US" sz="4800" b="1" dirty="0">
               <a:solidFill>
@@ -7176,7 +7176,7 @@
           <p:nvPr/>
         </p:nvPicPr>
         <p:blipFill>
-          <a:blip r:embed="rId3">
+          <a:blip r:embed="rId3" cstate="print">
             <a:extLst>
               <a:ext uri="{28A0092B-C50C-407E-A947-70E740481C1C}">
                 <a14:useLocalDpi xmlns:a14="http://schemas.microsoft.com/office/drawing/2010/main" val="0"/>
@@ -7249,7 +7249,7 @@
           <p:nvPr/>
         </p:nvPicPr>
         <p:blipFill>
-          <a:blip r:embed="rId5">
+          <a:blip r:embed="rId5" cstate="print">
             <a:extLst>
               <a:ext uri="{28A0092B-C50C-407E-A947-70E740481C1C}">
                 <a14:useLocalDpi xmlns:a14="http://schemas.microsoft.com/office/drawing/2010/main" val="0"/>
